--- a/ShubhamPal.pptx
+++ b/ShubhamPal.pptx
@@ -6457,6 +6457,13 @@
   <p:clrMapOvr>
     <a:masterClrMapping/>
   </p:clrMapOvr>
+  <p:timing>
+    <p:tnLst>
+      <p:par>
+        <p:cTn id="1" dur="indefinite" restart="never" nodeType="tmRoot"/>
+      </p:par>
+    </p:tnLst>
+  </p:timing>
 </p:sld>
 </file>
 
@@ -6500,18 +6507,40 @@
           <a:lstStyle/>
           <a:p>
             <a:r>
-              <a:rPr lang="en-US" dirty="0" smtClean="0">
-                <a:solidFill>
-                  <a:schemeClr val="accent1">
-                    <a:lumMod val="50000"/>
-                  </a:schemeClr>
+              <a:rPr lang="en-US" sz="3600" dirty="0" smtClean="0">
+                <a:solidFill>
+                  <a:srgbClr val="0070C0"/>
                 </a:solidFill>
                 <a:latin typeface="Arial Black" panose="020B0A04020102020204" pitchFamily="34" charset="0"/>
                 <a:cs typeface="Arial" panose="020B0604020202020204" pitchFamily="34" charset="0"/>
               </a:rPr>
-              <a:t>Transaction Control &amp; its Need</a:t>
-            </a:r>
-            <a:endParaRPr lang="en-US" dirty="0"/>
+              <a:t>Transaction </a:t>
+            </a:r>
+            <a:r>
+              <a:rPr lang="en-US" sz="3600" dirty="0" smtClean="0">
+                <a:solidFill>
+                  <a:srgbClr val="0070C0"/>
+                </a:solidFill>
+                <a:latin typeface="Arial Black" panose="020B0A04020102020204" pitchFamily="34" charset="0"/>
+                <a:cs typeface="Arial" panose="020B0604020202020204" pitchFamily="34" charset="0"/>
+              </a:rPr>
+              <a:t>Management </a:t>
+            </a:r>
+            <a:r>
+              <a:rPr lang="en-US" sz="3600" dirty="0" smtClean="0">
+                <a:solidFill>
+                  <a:srgbClr val="0070C0"/>
+                </a:solidFill>
+                <a:latin typeface="Arial Black" panose="020B0A04020102020204" pitchFamily="34" charset="0"/>
+                <a:cs typeface="Arial" panose="020B0604020202020204" pitchFamily="34" charset="0"/>
+              </a:rPr>
+              <a:t>&amp; its Need</a:t>
+            </a:r>
+            <a:endParaRPr lang="en-US" sz="3600" dirty="0">
+              <a:solidFill>
+                <a:srgbClr val="0070C0"/>
+              </a:solidFill>
+            </a:endParaRPr>
           </a:p>
         </p:txBody>
       </p:sp>
@@ -6587,8 +6616,31 @@
                 <a:latin typeface="Arial" panose="020B0604020202020204" pitchFamily="34" charset="0"/>
                 <a:cs typeface="Arial" panose="020B0604020202020204" pitchFamily="34" charset="0"/>
               </a:rPr>
-              <a:t>The money gets debited from your account, then the system goes down abruptly due to some technical issue and hence your order could not be placed.</a:t>
-            </a:r>
+              <a:t>The money gets debited from your </a:t>
+            </a:r>
+            <a:r>
+              <a:rPr lang="en-US" sz="3200" dirty="0" smtClean="0">
+                <a:solidFill>
+                  <a:schemeClr val="tx1">
+                    <a:lumMod val="95000"/>
+                    <a:lumOff val="5000"/>
+                  </a:schemeClr>
+                </a:solidFill>
+                <a:latin typeface="Arial" panose="020B0604020202020204" pitchFamily="34" charset="0"/>
+                <a:cs typeface="Arial" panose="020B0604020202020204" pitchFamily="34" charset="0"/>
+              </a:rPr>
+              <a:t>account but due to some technical issue, money could not be credited into the supplier’s account.</a:t>
+            </a:r>
+            <a:endParaRPr lang="en-US" sz="3200" dirty="0" smtClean="0">
+              <a:solidFill>
+                <a:schemeClr val="tx1">
+                  <a:lumMod val="95000"/>
+                  <a:lumOff val="5000"/>
+                </a:schemeClr>
+              </a:solidFill>
+              <a:latin typeface="Arial" panose="020B0604020202020204" pitchFamily="34" charset="0"/>
+              <a:cs typeface="Arial" panose="020B0604020202020204" pitchFamily="34" charset="0"/>
+            </a:endParaRPr>
           </a:p>
           <a:p>
             <a:pPr marL="0" indent="0">
@@ -6647,8 +6699,8 @@
         </p:blipFill>
         <p:spPr>
           <a:xfrm>
-            <a:off x="7456182" y="4472848"/>
-            <a:ext cx="3133215" cy="1729648"/>
+            <a:off x="7006728" y="4249059"/>
+            <a:ext cx="3538603" cy="1953437"/>
           </a:xfrm>
           <a:prstGeom prst="rect">
             <a:avLst/>
@@ -6665,6 +6717,13 @@
   <p:clrMapOvr>
     <a:masterClrMapping/>
   </p:clrMapOvr>
+  <p:timing>
+    <p:tnLst>
+      <p:par>
+        <p:cTn id="1" dur="indefinite" restart="never" nodeType="tmRoot"/>
+      </p:par>
+    </p:tnLst>
+  </p:timing>
 </p:sld>
 </file>
 
@@ -6708,9 +6767,7 @@
             <a:r>
               <a:rPr lang="en-US" dirty="0" smtClean="0">
                 <a:solidFill>
-                  <a:schemeClr val="accent1">
-                    <a:lumMod val="50000"/>
-                  </a:schemeClr>
+                  <a:srgbClr val="0070C0"/>
                 </a:solidFill>
                 <a:latin typeface="Arial Black" panose="020B0A04020102020204" pitchFamily="34" charset="0"/>
               </a:rPr>
@@ -6718,9 +6775,7 @@
             </a:r>
             <a:endParaRPr lang="en-US" dirty="0">
               <a:solidFill>
-                <a:schemeClr val="accent1">
-                  <a:lumMod val="50000"/>
-                </a:schemeClr>
+                <a:srgbClr val="0070C0"/>
               </a:solidFill>
               <a:latin typeface="Arial Black" panose="020B0A04020102020204" pitchFamily="34" charset="0"/>
             </a:endParaRPr>
@@ -6842,6 +6897,13 @@
   <p:clrMapOvr>
     <a:masterClrMapping/>
   </p:clrMapOvr>
+  <p:timing>
+    <p:tnLst>
+      <p:par>
+        <p:cTn id="1" dur="indefinite" restart="never" nodeType="tmRoot"/>
+      </p:par>
+    </p:tnLst>
+  </p:timing>
 </p:sld>
 </file>
 
@@ -6885,9 +6947,7 @@
             <a:r>
               <a:rPr lang="en-US" dirty="0" smtClean="0">
                 <a:solidFill>
-                  <a:schemeClr val="accent1">
-                    <a:lumMod val="50000"/>
-                  </a:schemeClr>
+                  <a:srgbClr val="0070C0"/>
                 </a:solidFill>
                 <a:latin typeface="Arial Black" panose="020B0A04020102020204" pitchFamily="34" charset="0"/>
               </a:rPr>
@@ -6895,9 +6955,7 @@
             </a:r>
             <a:endParaRPr lang="en-US" dirty="0">
               <a:solidFill>
-                <a:schemeClr val="accent1">
-                  <a:lumMod val="50000"/>
-                </a:schemeClr>
+                <a:srgbClr val="0070C0"/>
               </a:solidFill>
               <a:latin typeface="Arial Black" panose="020B0A04020102020204" pitchFamily="34" charset="0"/>
             </a:endParaRPr>
@@ -7190,6 +7248,16 @@
   <p:clrMapOvr>
     <a:masterClrMapping/>
   </p:clrMapOvr>
+  <p:transition spd="slow">
+    <p:randomBar dir="vert"/>
+  </p:transition>
+  <p:timing>
+    <p:tnLst>
+      <p:par>
+        <p:cTn id="1" dur="indefinite" restart="never" nodeType="tmRoot"/>
+      </p:par>
+    </p:tnLst>
+  </p:timing>
 </p:sld>
 </file>
 
@@ -7278,6 +7346,13 @@
   <p:clrMapOvr>
     <a:masterClrMapping/>
   </p:clrMapOvr>
+  <p:timing>
+    <p:tnLst>
+      <p:par>
+        <p:cTn id="1" dur="indefinite" restart="never" nodeType="tmRoot"/>
+      </p:par>
+    </p:tnLst>
+  </p:timing>
 </p:sld>
 </file>
 
